--- a/WISards Team FINAL PPT.pptx
+++ b/WISards Team FINAL PPT.pptx
@@ -4738,6 +4738,42 @@
           </a:p>
         </p:txBody>
       </p:sp>
+      <p:pic>
+        <p:nvPicPr>
+          <p:cNvPr id="8" name="Picture 7">
+            <a:extLst>
+              <a:ext uri="{FF2B5EF4-FFF2-40B4-BE49-F238E27FC236}">
+                <a16:creationId xmlns:a16="http://schemas.microsoft.com/office/drawing/2014/main" id="{0251D5A4-0B58-4B6B-90DE-E2840BCB1EF3}"/>
+              </a:ext>
+            </a:extLst>
+          </p:cNvPr>
+          <p:cNvPicPr>
+            <a:picLocks noChangeAspect="1"/>
+          </p:cNvPicPr>
+          <p:nvPr/>
+        </p:nvPicPr>
+        <p:blipFill>
+          <a:blip r:embed="rId3">
+            <a:extLst>
+              <a:ext uri="{28A0092B-C50C-407E-A947-70E740481C1C}">
+                <a14:useLocalDpi xmlns:a14="http://schemas.microsoft.com/office/drawing/2010/main" val="0"/>
+              </a:ext>
+            </a:extLst>
+          </a:blip>
+          <a:stretch>
+            <a:fillRect/>
+          </a:stretch>
+        </p:blipFill>
+        <p:spPr>
+          <a:xfrm>
+            <a:off x="386988" y="3468346"/>
+            <a:ext cx="4509478" cy="3017132"/>
+          </a:xfrm>
+          <a:prstGeom prst="rect">
+            <a:avLst/>
+          </a:prstGeom>
+        </p:spPr>
+      </p:pic>
     </p:spTree>
     <p:extLst>
       <p:ext uri="{BB962C8B-B14F-4D97-AF65-F5344CB8AC3E}">
@@ -5636,531 +5672,510 @@
           </a:prstGeom>
         </p:spPr>
       </p:pic>
-      <p:grpSp>
-        <p:nvGrpSpPr>
-          <p:cNvPr id="12" name="Group 11">
+      <p:sp>
+        <p:nvSpPr>
+          <p:cNvPr id="5" name="Oval 4"/>
+          <p:cNvSpPr/>
+          <p:nvPr/>
+        </p:nvSpPr>
+        <p:spPr>
+          <a:xfrm>
+            <a:off x="746827" y="4446622"/>
+            <a:ext cx="496389" cy="496389"/>
+          </a:xfrm>
+          <a:prstGeom prst="ellipse">
+            <a:avLst/>
+          </a:prstGeom>
+          <a:solidFill>
+            <a:srgbClr val="00B050"/>
+          </a:solidFill>
+          <a:ln>
+            <a:solidFill>
+              <a:schemeClr val="bg2">
+                <a:lumMod val="50000"/>
+              </a:schemeClr>
+            </a:solidFill>
+          </a:ln>
+        </p:spPr>
+        <p:style>
+          <a:lnRef idx="2">
+            <a:schemeClr val="accent1">
+              <a:shade val="50000"/>
+            </a:schemeClr>
+          </a:lnRef>
+          <a:fillRef idx="1">
+            <a:schemeClr val="accent1"/>
+          </a:fillRef>
+          <a:effectRef idx="0">
+            <a:schemeClr val="accent1"/>
+          </a:effectRef>
+          <a:fontRef idx="minor">
+            <a:schemeClr val="lt1"/>
+          </a:fontRef>
+        </p:style>
+        <p:txBody>
+          <a:bodyPr rtlCol="0" anchor="ctr"/>
+          <a:lstStyle/>
+          <a:p>
+            <a:pPr algn="ctr"/>
+            <a:r>
+              <a:rPr lang="en-US" sz="3200" b="1" dirty="0" err="1"/>
+              <a:t>i</a:t>
+            </a:r>
+            <a:endParaRPr lang="en-US" sz="3200" b="1" dirty="0"/>
+          </a:p>
+        </p:txBody>
+      </p:sp>
+      <p:sp>
+        <p:nvSpPr>
+          <p:cNvPr id="6" name="Oval 5"/>
+          <p:cNvSpPr/>
+          <p:nvPr/>
+        </p:nvSpPr>
+        <p:spPr>
+          <a:xfrm>
+            <a:off x="4212837" y="2119867"/>
+            <a:ext cx="496389" cy="496389"/>
+          </a:xfrm>
+          <a:prstGeom prst="ellipse">
+            <a:avLst/>
+          </a:prstGeom>
+          <a:solidFill>
+            <a:srgbClr val="00B050"/>
+          </a:solidFill>
+          <a:ln>
+            <a:solidFill>
+              <a:schemeClr val="bg2">
+                <a:lumMod val="50000"/>
+              </a:schemeClr>
+            </a:solidFill>
+          </a:ln>
+        </p:spPr>
+        <p:style>
+          <a:lnRef idx="2">
+            <a:schemeClr val="accent1">
+              <a:shade val="50000"/>
+            </a:schemeClr>
+          </a:lnRef>
+          <a:fillRef idx="1">
+            <a:schemeClr val="accent1"/>
+          </a:fillRef>
+          <a:effectRef idx="0">
+            <a:schemeClr val="accent1"/>
+          </a:effectRef>
+          <a:fontRef idx="minor">
+            <a:schemeClr val="lt1"/>
+          </a:fontRef>
+        </p:style>
+        <p:txBody>
+          <a:bodyPr rtlCol="0" anchor="ctr"/>
+          <a:lstStyle/>
+          <a:p>
+            <a:pPr algn="ctr"/>
+            <a:r>
+              <a:rPr lang="en-US" sz="3200" b="1" dirty="0"/>
+              <a:t>l</a:t>
+            </a:r>
+          </a:p>
+        </p:txBody>
+      </p:sp>
+      <p:sp>
+        <p:nvSpPr>
+          <p:cNvPr id="7" name="Oval 6"/>
+          <p:cNvSpPr/>
+          <p:nvPr/>
+        </p:nvSpPr>
+        <p:spPr>
+          <a:xfrm>
+            <a:off x="4212838" y="4446622"/>
+            <a:ext cx="496389" cy="496389"/>
+          </a:xfrm>
+          <a:prstGeom prst="ellipse">
+            <a:avLst/>
+          </a:prstGeom>
+          <a:solidFill>
+            <a:srgbClr val="00B050"/>
+          </a:solidFill>
+          <a:ln>
+            <a:solidFill>
+              <a:schemeClr val="bg2">
+                <a:lumMod val="50000"/>
+              </a:schemeClr>
+            </a:solidFill>
+          </a:ln>
+        </p:spPr>
+        <p:style>
+          <a:lnRef idx="2">
+            <a:schemeClr val="accent1">
+              <a:shade val="50000"/>
+            </a:schemeClr>
+          </a:lnRef>
+          <a:fillRef idx="1">
+            <a:schemeClr val="accent1"/>
+          </a:fillRef>
+          <a:effectRef idx="0">
+            <a:schemeClr val="accent1"/>
+          </a:effectRef>
+          <a:fontRef idx="minor">
+            <a:schemeClr val="lt1"/>
+          </a:fontRef>
+        </p:style>
+        <p:txBody>
+          <a:bodyPr rtlCol="0" anchor="ctr"/>
+          <a:lstStyle/>
+          <a:p>
+            <a:pPr algn="ctr"/>
+            <a:r>
+              <a:rPr lang="en-US" sz="3200" b="1" dirty="0"/>
+              <a:t>j</a:t>
+            </a:r>
+          </a:p>
+        </p:txBody>
+      </p:sp>
+      <p:sp>
+        <p:nvSpPr>
+          <p:cNvPr id="8" name="Oval 7"/>
+          <p:cNvSpPr/>
+          <p:nvPr/>
+        </p:nvSpPr>
+        <p:spPr>
+          <a:xfrm>
+            <a:off x="746827" y="2119868"/>
+            <a:ext cx="496389" cy="496389"/>
+          </a:xfrm>
+          <a:prstGeom prst="ellipse">
+            <a:avLst/>
+          </a:prstGeom>
+          <a:solidFill>
+            <a:srgbClr val="00B050"/>
+          </a:solidFill>
+          <a:ln>
+            <a:solidFill>
+              <a:schemeClr val="bg2">
+                <a:lumMod val="50000"/>
+              </a:schemeClr>
+            </a:solidFill>
+          </a:ln>
+        </p:spPr>
+        <p:style>
+          <a:lnRef idx="2">
+            <a:schemeClr val="accent1">
+              <a:shade val="50000"/>
+            </a:schemeClr>
+          </a:lnRef>
+          <a:fillRef idx="1">
+            <a:schemeClr val="accent1"/>
+          </a:fillRef>
+          <a:effectRef idx="0">
+            <a:schemeClr val="accent1"/>
+          </a:effectRef>
+          <a:fontRef idx="minor">
+            <a:schemeClr val="lt1"/>
+          </a:fontRef>
+        </p:style>
+        <p:txBody>
+          <a:bodyPr rtlCol="0" anchor="ctr"/>
+          <a:lstStyle/>
+          <a:p>
+            <a:pPr algn="ctr"/>
+            <a:r>
+              <a:rPr lang="en-US" sz="3200" b="1" dirty="0"/>
+              <a:t>k</a:t>
+            </a:r>
+          </a:p>
+        </p:txBody>
+      </p:sp>
+      <p:cxnSp>
+        <p:nvCxnSpPr>
+          <p:cNvPr id="10" name="Straight Connector 9"/>
+          <p:cNvCxnSpPr>
+            <a:stCxn id="7" idx="2"/>
+            <a:endCxn id="5" idx="6"/>
+          </p:cNvCxnSpPr>
+          <p:nvPr/>
+        </p:nvCxnSpPr>
+        <p:spPr>
+          <a:xfrm flipH="1">
+            <a:off x="1243216" y="4694817"/>
+            <a:ext cx="2969622" cy="0"/>
+          </a:xfrm>
+          <a:prstGeom prst="line">
+            <a:avLst/>
+          </a:prstGeom>
+          <a:ln w="57150">
+            <a:solidFill>
+              <a:schemeClr val="tx1"/>
+            </a:solidFill>
+            <a:prstDash val="sysDash"/>
+          </a:ln>
+        </p:spPr>
+        <p:style>
+          <a:lnRef idx="1">
+            <a:schemeClr val="accent1"/>
+          </a:lnRef>
+          <a:fillRef idx="0">
+            <a:schemeClr val="accent1"/>
+          </a:fillRef>
+          <a:effectRef idx="0">
+            <a:schemeClr val="accent1"/>
+          </a:effectRef>
+          <a:fontRef idx="minor">
+            <a:schemeClr val="tx1"/>
+          </a:fontRef>
+        </p:style>
+      </p:cxnSp>
+      <p:sp>
+        <p:nvSpPr>
+          <p:cNvPr id="11" name="TextBox 10"/>
+          <p:cNvSpPr txBox="1"/>
+          <p:nvPr/>
+        </p:nvSpPr>
+        <p:spPr>
+          <a:xfrm>
+            <a:off x="2440644" y="4943011"/>
+            <a:ext cx="574766" cy="1446550"/>
+          </a:xfrm>
+          <a:prstGeom prst="rect">
+            <a:avLst/>
+          </a:prstGeom>
+          <a:noFill/>
+        </p:spPr>
+        <p:txBody>
+          <a:bodyPr wrap="square" rtlCol="0">
+            <a:spAutoFit/>
+          </a:bodyPr>
+          <a:lstStyle/>
+          <a:p>
+            <a:r>
+              <a:rPr lang="en-US" sz="8800" b="1" dirty="0"/>
+              <a:t>?</a:t>
+            </a:r>
+          </a:p>
+        </p:txBody>
+      </p:sp>
+      <p:cxnSp>
+        <p:nvCxnSpPr>
+          <p:cNvPr id="14" name="Straight Connector 13"/>
+          <p:cNvCxnSpPr>
+            <a:stCxn id="8" idx="4"/>
+            <a:endCxn id="5" idx="0"/>
+          </p:cNvCxnSpPr>
+          <p:nvPr/>
+        </p:nvCxnSpPr>
+        <p:spPr>
+          <a:xfrm>
+            <a:off x="995022" y="2616257"/>
+            <a:ext cx="0" cy="1830365"/>
+          </a:xfrm>
+          <a:prstGeom prst="line">
+            <a:avLst/>
+          </a:prstGeom>
+          <a:ln w="57150">
+            <a:solidFill>
+              <a:schemeClr val="accent2">
+                <a:lumMod val="75000"/>
+              </a:schemeClr>
+            </a:solidFill>
+            <a:prstDash val="solid"/>
+          </a:ln>
+        </p:spPr>
+        <p:style>
+          <a:lnRef idx="1">
+            <a:schemeClr val="accent1"/>
+          </a:lnRef>
+          <a:fillRef idx="0">
+            <a:schemeClr val="accent1"/>
+          </a:fillRef>
+          <a:effectRef idx="0">
+            <a:schemeClr val="accent1"/>
+          </a:effectRef>
+          <a:fontRef idx="minor">
+            <a:schemeClr val="tx1"/>
+          </a:fontRef>
+        </p:style>
+      </p:cxnSp>
+      <p:cxnSp>
+        <p:nvCxnSpPr>
+          <p:cNvPr id="17" name="Straight Connector 16"/>
+          <p:cNvCxnSpPr>
+            <a:stCxn id="6" idx="4"/>
+            <a:endCxn id="7" idx="0"/>
+          </p:cNvCxnSpPr>
+          <p:nvPr/>
+        </p:nvCxnSpPr>
+        <p:spPr>
+          <a:xfrm>
+            <a:off x="4461032" y="2616256"/>
+            <a:ext cx="1" cy="1830366"/>
+          </a:xfrm>
+          <a:prstGeom prst="line">
+            <a:avLst/>
+          </a:prstGeom>
+          <a:ln w="57150">
+            <a:solidFill>
+              <a:schemeClr val="accent2">
+                <a:lumMod val="75000"/>
+              </a:schemeClr>
+            </a:solidFill>
+            <a:prstDash val="solid"/>
+          </a:ln>
+        </p:spPr>
+        <p:style>
+          <a:lnRef idx="1">
+            <a:schemeClr val="accent1"/>
+          </a:lnRef>
+          <a:fillRef idx="0">
+            <a:schemeClr val="accent1"/>
+          </a:fillRef>
+          <a:effectRef idx="0">
+            <a:schemeClr val="accent1"/>
+          </a:effectRef>
+          <a:fontRef idx="minor">
+            <a:schemeClr val="tx1"/>
+          </a:fontRef>
+        </p:style>
+      </p:cxnSp>
+      <p:cxnSp>
+        <p:nvCxnSpPr>
+          <p:cNvPr id="20" name="Straight Connector 19"/>
+          <p:cNvCxnSpPr>
+            <a:stCxn id="6" idx="2"/>
+            <a:endCxn id="8" idx="6"/>
+          </p:cNvCxnSpPr>
+          <p:nvPr/>
+        </p:nvCxnSpPr>
+        <p:spPr>
+          <a:xfrm flipH="1">
+            <a:off x="1243216" y="2368062"/>
+            <a:ext cx="2969621" cy="1"/>
+          </a:xfrm>
+          <a:prstGeom prst="line">
+            <a:avLst/>
+          </a:prstGeom>
+          <a:ln w="57150">
+            <a:solidFill>
+              <a:schemeClr val="tx1"/>
+            </a:solidFill>
+            <a:prstDash val="solid"/>
+          </a:ln>
+        </p:spPr>
+        <p:style>
+          <a:lnRef idx="1">
+            <a:schemeClr val="accent1"/>
+          </a:lnRef>
+          <a:fillRef idx="0">
+            <a:schemeClr val="accent1"/>
+          </a:fillRef>
+          <a:effectRef idx="0">
+            <a:schemeClr val="accent1"/>
+          </a:effectRef>
+          <a:fontRef idx="minor">
+            <a:schemeClr val="tx1"/>
+          </a:fontRef>
+        </p:style>
+      </p:cxnSp>
+      <p:pic>
+        <p:nvPicPr>
+          <p:cNvPr id="31" name="Picture 30"/>
+          <p:cNvPicPr>
+            <a:picLocks noChangeAspect="1"/>
+          </p:cNvPicPr>
+          <p:nvPr>
+            <p:custDataLst>
+              <p:tags r:id="rId3"/>
+            </p:custDataLst>
+          </p:nvPr>
+        </p:nvPicPr>
+        <p:blipFill>
+          <a:blip r:embed="rId9" cstate="print">
             <a:extLst>
-              <a:ext uri="{FF2B5EF4-FFF2-40B4-BE49-F238E27FC236}">
-                <a16:creationId xmlns:a16="http://schemas.microsoft.com/office/drawing/2014/main" id="{4B7891B6-D1EC-49FD-943D-27A1129E7DE2}"/>
+              <a:ext uri="{28A0092B-C50C-407E-A947-70E740481C1C}">
+                <a14:useLocalDpi xmlns:a14="http://schemas.microsoft.com/office/drawing/2010/main" val="0"/>
               </a:ext>
             </a:extLst>
-          </p:cNvPr>
-          <p:cNvGrpSpPr/>
-          <p:nvPr/>
-        </p:nvGrpSpPr>
-        <p:grpSpPr>
-          <a:xfrm>
-            <a:off x="746827" y="1853131"/>
-            <a:ext cx="3962400" cy="4536430"/>
-            <a:chOff x="831668" y="2069948"/>
-            <a:chExt cx="3962400" cy="4536430"/>
-          </a:xfrm>
-        </p:grpSpPr>
-        <p:sp>
-          <p:nvSpPr>
-            <p:cNvPr id="5" name="Oval 4"/>
-            <p:cNvSpPr/>
-            <p:nvPr/>
-          </p:nvSpPr>
-          <p:spPr>
-            <a:xfrm>
-              <a:off x="831668" y="4663439"/>
-              <a:ext cx="496389" cy="496389"/>
-            </a:xfrm>
-            <a:prstGeom prst="ellipse">
-              <a:avLst/>
-            </a:prstGeom>
-            <a:solidFill>
-              <a:srgbClr val="00B050"/>
-            </a:solidFill>
-            <a:ln>
-              <a:solidFill>
-                <a:schemeClr val="bg2">
-                  <a:lumMod val="50000"/>
-                </a:schemeClr>
-              </a:solidFill>
-            </a:ln>
-          </p:spPr>
-          <p:style>
-            <a:lnRef idx="2">
-              <a:schemeClr val="accent1">
-                <a:shade val="50000"/>
-              </a:schemeClr>
-            </a:lnRef>
-            <a:fillRef idx="1">
-              <a:schemeClr val="accent1"/>
-            </a:fillRef>
-            <a:effectRef idx="0">
-              <a:schemeClr val="accent1"/>
-            </a:effectRef>
-            <a:fontRef idx="minor">
-              <a:schemeClr val="lt1"/>
-            </a:fontRef>
-          </p:style>
-          <p:txBody>
-            <a:bodyPr rtlCol="0" anchor="ctr"/>
-            <a:lstStyle/>
-            <a:p>
-              <a:pPr algn="ctr"/>
-              <a:r>
-                <a:rPr lang="en-US" sz="3200" b="1" dirty="0" err="1"/>
-                <a:t>i</a:t>
-              </a:r>
-              <a:endParaRPr lang="en-US" sz="3200" b="1" dirty="0"/>
-            </a:p>
-          </p:txBody>
-        </p:sp>
-        <p:sp>
-          <p:nvSpPr>
-            <p:cNvPr id="6" name="Oval 5"/>
-            <p:cNvSpPr/>
-            <p:nvPr/>
-          </p:nvSpPr>
-          <p:spPr>
-            <a:xfrm>
-              <a:off x="4297678" y="2336684"/>
-              <a:ext cx="496389" cy="496389"/>
-            </a:xfrm>
-            <a:prstGeom prst="ellipse">
-              <a:avLst/>
-            </a:prstGeom>
-            <a:solidFill>
-              <a:srgbClr val="00B050"/>
-            </a:solidFill>
-            <a:ln>
-              <a:solidFill>
-                <a:schemeClr val="bg2">
-                  <a:lumMod val="50000"/>
-                </a:schemeClr>
-              </a:solidFill>
-            </a:ln>
-          </p:spPr>
-          <p:style>
-            <a:lnRef idx="2">
-              <a:schemeClr val="accent1">
-                <a:shade val="50000"/>
-              </a:schemeClr>
-            </a:lnRef>
-            <a:fillRef idx="1">
-              <a:schemeClr val="accent1"/>
-            </a:fillRef>
-            <a:effectRef idx="0">
-              <a:schemeClr val="accent1"/>
-            </a:effectRef>
-            <a:fontRef idx="minor">
-              <a:schemeClr val="lt1"/>
-            </a:fontRef>
-          </p:style>
-          <p:txBody>
-            <a:bodyPr rtlCol="0" anchor="ctr"/>
-            <a:lstStyle/>
-            <a:p>
-              <a:pPr algn="ctr"/>
-              <a:r>
-                <a:rPr lang="en-US" sz="3200" b="1" dirty="0"/>
-                <a:t>l</a:t>
-              </a:r>
-            </a:p>
-          </p:txBody>
-        </p:sp>
-        <p:sp>
-          <p:nvSpPr>
-            <p:cNvPr id="7" name="Oval 6"/>
-            <p:cNvSpPr/>
-            <p:nvPr/>
-          </p:nvSpPr>
-          <p:spPr>
-            <a:xfrm>
-              <a:off x="4297679" y="4663439"/>
-              <a:ext cx="496389" cy="496389"/>
-            </a:xfrm>
-            <a:prstGeom prst="ellipse">
-              <a:avLst/>
-            </a:prstGeom>
-            <a:solidFill>
-              <a:srgbClr val="00B050"/>
-            </a:solidFill>
-            <a:ln>
-              <a:solidFill>
-                <a:schemeClr val="bg2">
-                  <a:lumMod val="50000"/>
-                </a:schemeClr>
-              </a:solidFill>
-            </a:ln>
-          </p:spPr>
-          <p:style>
-            <a:lnRef idx="2">
-              <a:schemeClr val="accent1">
-                <a:shade val="50000"/>
-              </a:schemeClr>
-            </a:lnRef>
-            <a:fillRef idx="1">
-              <a:schemeClr val="accent1"/>
-            </a:fillRef>
-            <a:effectRef idx="0">
-              <a:schemeClr val="accent1"/>
-            </a:effectRef>
-            <a:fontRef idx="minor">
-              <a:schemeClr val="lt1"/>
-            </a:fontRef>
-          </p:style>
-          <p:txBody>
-            <a:bodyPr rtlCol="0" anchor="ctr"/>
-            <a:lstStyle/>
-            <a:p>
-              <a:pPr algn="ctr"/>
-              <a:r>
-                <a:rPr lang="en-US" sz="3200" b="1" dirty="0"/>
-                <a:t>j</a:t>
-              </a:r>
-            </a:p>
-          </p:txBody>
-        </p:sp>
-        <p:sp>
-          <p:nvSpPr>
-            <p:cNvPr id="8" name="Oval 7"/>
-            <p:cNvSpPr/>
-            <p:nvPr/>
-          </p:nvSpPr>
-          <p:spPr>
-            <a:xfrm>
-              <a:off x="831668" y="2336685"/>
-              <a:ext cx="496389" cy="496389"/>
-            </a:xfrm>
-            <a:prstGeom prst="ellipse">
-              <a:avLst/>
-            </a:prstGeom>
-            <a:solidFill>
-              <a:srgbClr val="00B050"/>
-            </a:solidFill>
-            <a:ln>
-              <a:solidFill>
-                <a:schemeClr val="bg2">
-                  <a:lumMod val="50000"/>
-                </a:schemeClr>
-              </a:solidFill>
-            </a:ln>
-          </p:spPr>
-          <p:style>
-            <a:lnRef idx="2">
-              <a:schemeClr val="accent1">
-                <a:shade val="50000"/>
-              </a:schemeClr>
-            </a:lnRef>
-            <a:fillRef idx="1">
-              <a:schemeClr val="accent1"/>
-            </a:fillRef>
-            <a:effectRef idx="0">
-              <a:schemeClr val="accent1"/>
-            </a:effectRef>
-            <a:fontRef idx="minor">
-              <a:schemeClr val="lt1"/>
-            </a:fontRef>
-          </p:style>
-          <p:txBody>
-            <a:bodyPr rtlCol="0" anchor="ctr"/>
-            <a:lstStyle/>
-            <a:p>
-              <a:pPr algn="ctr"/>
-              <a:r>
-                <a:rPr lang="en-US" sz="3200" b="1" dirty="0"/>
-                <a:t>k</a:t>
-              </a:r>
-            </a:p>
-          </p:txBody>
-        </p:sp>
-        <p:cxnSp>
-          <p:nvCxnSpPr>
-            <p:cNvPr id="10" name="Straight Connector 9"/>
-            <p:cNvCxnSpPr>
-              <a:stCxn id="7" idx="2"/>
-              <a:endCxn id="5" idx="6"/>
-            </p:cNvCxnSpPr>
-            <p:nvPr/>
-          </p:nvCxnSpPr>
-          <p:spPr>
-            <a:xfrm flipH="1">
-              <a:off x="1328057" y="4911634"/>
-              <a:ext cx="2969622" cy="0"/>
-            </a:xfrm>
-            <a:prstGeom prst="line">
-              <a:avLst/>
-            </a:prstGeom>
-            <a:ln w="57150">
-              <a:solidFill>
-                <a:schemeClr val="tx1"/>
-              </a:solidFill>
-              <a:prstDash val="sysDash"/>
-            </a:ln>
-          </p:spPr>
-          <p:style>
-            <a:lnRef idx="1">
-              <a:schemeClr val="accent1"/>
-            </a:lnRef>
-            <a:fillRef idx="0">
-              <a:schemeClr val="accent1"/>
-            </a:fillRef>
-            <a:effectRef idx="0">
-              <a:schemeClr val="accent1"/>
-            </a:effectRef>
-            <a:fontRef idx="minor">
-              <a:schemeClr val="tx1"/>
-            </a:fontRef>
-          </p:style>
-        </p:cxnSp>
-        <p:sp>
-          <p:nvSpPr>
-            <p:cNvPr id="11" name="TextBox 10"/>
-            <p:cNvSpPr txBox="1"/>
-            <p:nvPr/>
-          </p:nvSpPr>
-          <p:spPr>
-            <a:xfrm>
-              <a:off x="2525485" y="5159828"/>
-              <a:ext cx="574766" cy="1446550"/>
-            </a:xfrm>
-            <a:prstGeom prst="rect">
-              <a:avLst/>
-            </a:prstGeom>
-            <a:noFill/>
-          </p:spPr>
-          <p:txBody>
-            <a:bodyPr wrap="square" rtlCol="0">
-              <a:spAutoFit/>
-            </a:bodyPr>
-            <a:lstStyle/>
-            <a:p>
-              <a:r>
-                <a:rPr lang="en-US" sz="8800" b="1" dirty="0"/>
-                <a:t>?</a:t>
-              </a:r>
-            </a:p>
-          </p:txBody>
-        </p:sp>
-        <p:cxnSp>
-          <p:nvCxnSpPr>
-            <p:cNvPr id="14" name="Straight Connector 13"/>
-            <p:cNvCxnSpPr>
-              <a:stCxn id="8" idx="4"/>
-              <a:endCxn id="5" idx="0"/>
-            </p:cNvCxnSpPr>
-            <p:nvPr/>
-          </p:nvCxnSpPr>
-          <p:spPr>
-            <a:xfrm>
-              <a:off x="1079863" y="2833074"/>
-              <a:ext cx="0" cy="1830365"/>
-            </a:xfrm>
-            <a:prstGeom prst="line">
-              <a:avLst/>
-            </a:prstGeom>
-            <a:ln w="57150">
-              <a:solidFill>
-                <a:schemeClr val="accent2">
-                  <a:lumMod val="75000"/>
-                </a:schemeClr>
-              </a:solidFill>
-              <a:prstDash val="solid"/>
-            </a:ln>
-          </p:spPr>
-          <p:style>
-            <a:lnRef idx="1">
-              <a:schemeClr val="accent1"/>
-            </a:lnRef>
-            <a:fillRef idx="0">
-              <a:schemeClr val="accent1"/>
-            </a:fillRef>
-            <a:effectRef idx="0">
-              <a:schemeClr val="accent1"/>
-            </a:effectRef>
-            <a:fontRef idx="minor">
-              <a:schemeClr val="tx1"/>
-            </a:fontRef>
-          </p:style>
-        </p:cxnSp>
-        <p:cxnSp>
-          <p:nvCxnSpPr>
-            <p:cNvPr id="17" name="Straight Connector 16"/>
-            <p:cNvCxnSpPr>
-              <a:stCxn id="6" idx="4"/>
-              <a:endCxn id="7" idx="0"/>
-            </p:cNvCxnSpPr>
-            <p:nvPr/>
-          </p:nvCxnSpPr>
-          <p:spPr>
-            <a:xfrm>
-              <a:off x="4545873" y="2833073"/>
-              <a:ext cx="1" cy="1830366"/>
-            </a:xfrm>
-            <a:prstGeom prst="line">
-              <a:avLst/>
-            </a:prstGeom>
-            <a:ln w="57150">
-              <a:solidFill>
-                <a:schemeClr val="accent2">
-                  <a:lumMod val="75000"/>
-                </a:schemeClr>
-              </a:solidFill>
-              <a:prstDash val="solid"/>
-            </a:ln>
-          </p:spPr>
-          <p:style>
-            <a:lnRef idx="1">
-              <a:schemeClr val="accent1"/>
-            </a:lnRef>
-            <a:fillRef idx="0">
-              <a:schemeClr val="accent1"/>
-            </a:fillRef>
-            <a:effectRef idx="0">
-              <a:schemeClr val="accent1"/>
-            </a:effectRef>
-            <a:fontRef idx="minor">
-              <a:schemeClr val="tx1"/>
-            </a:fontRef>
-          </p:style>
-        </p:cxnSp>
-        <p:cxnSp>
-          <p:nvCxnSpPr>
-            <p:cNvPr id="20" name="Straight Connector 19"/>
-            <p:cNvCxnSpPr>
-              <a:stCxn id="6" idx="2"/>
-              <a:endCxn id="8" idx="6"/>
-            </p:cNvCxnSpPr>
-            <p:nvPr/>
-          </p:nvCxnSpPr>
-          <p:spPr>
-            <a:xfrm flipH="1">
-              <a:off x="1328057" y="2584879"/>
-              <a:ext cx="2969621" cy="1"/>
-            </a:xfrm>
-            <a:prstGeom prst="line">
-              <a:avLst/>
-            </a:prstGeom>
-            <a:ln w="57150">
-              <a:solidFill>
-                <a:schemeClr val="tx1"/>
-              </a:solidFill>
-              <a:prstDash val="solid"/>
-            </a:ln>
-          </p:spPr>
-          <p:style>
-            <a:lnRef idx="1">
-              <a:schemeClr val="accent1"/>
-            </a:lnRef>
-            <a:fillRef idx="0">
-              <a:schemeClr val="accent1"/>
-            </a:fillRef>
-            <a:effectRef idx="0">
-              <a:schemeClr val="accent1"/>
-            </a:effectRef>
-            <a:fontRef idx="minor">
-              <a:schemeClr val="tx1"/>
-            </a:fontRef>
-          </p:style>
-        </p:cxnSp>
-        <p:pic>
-          <p:nvPicPr>
-            <p:cNvPr id="31" name="Picture 30"/>
-            <p:cNvPicPr>
-              <a:picLocks noChangeAspect="1"/>
-            </p:cNvPicPr>
-            <p:nvPr>
-              <p:custDataLst>
-                <p:tags r:id="rId3"/>
-              </p:custDataLst>
-            </p:nvPr>
-          </p:nvPicPr>
-          <p:blipFill>
-            <a:blip r:embed="rId9" cstate="print">
-              <a:extLst>
-                <a:ext uri="{28A0092B-C50C-407E-A947-70E740481C1C}">
-                  <a14:useLocalDpi xmlns:a14="http://schemas.microsoft.com/office/drawing/2010/main" val="0"/>
-                </a:ext>
-              </a:extLst>
-            </a:blip>
-            <a:stretch>
-              <a:fillRect/>
-            </a:stretch>
-          </p:blipFill>
-          <p:spPr>
-            <a:xfrm>
-              <a:off x="2567420" y="2069948"/>
-              <a:ext cx="490894" cy="390834"/>
-            </a:xfrm>
-            <a:prstGeom prst="rect">
-              <a:avLst/>
-            </a:prstGeom>
-          </p:spPr>
-        </p:pic>
-        <p:pic>
-          <p:nvPicPr>
-            <p:cNvPr id="36" name="Picture 35"/>
-            <p:cNvPicPr>
-              <a:picLocks noChangeAspect="1"/>
-            </p:cNvPicPr>
-            <p:nvPr>
-              <p:custDataLst>
-                <p:tags r:id="rId4"/>
-              </p:custDataLst>
-            </p:nvPr>
-          </p:nvPicPr>
-          <p:blipFill>
-            <a:blip r:embed="rId10" cstate="print">
-              <a:extLst>
-                <a:ext uri="{28A0092B-C50C-407E-A947-70E740481C1C}">
-                  <a14:useLocalDpi xmlns:a14="http://schemas.microsoft.com/office/drawing/2010/main" val="0"/>
-                </a:ext>
-              </a:extLst>
-            </a:blip>
-            <a:stretch>
-              <a:fillRect/>
-            </a:stretch>
-          </p:blipFill>
-          <p:spPr>
-            <a:xfrm>
-              <a:off x="3233104" y="3034326"/>
-              <a:ext cx="1131003" cy="466306"/>
-            </a:xfrm>
-            <a:prstGeom prst="rect">
-              <a:avLst/>
-            </a:prstGeom>
-          </p:spPr>
-        </p:pic>
-        <p:pic>
-          <p:nvPicPr>
-            <p:cNvPr id="35" name="Picture 34"/>
-            <p:cNvPicPr>
-              <a:picLocks noChangeAspect="1"/>
-            </p:cNvPicPr>
-            <p:nvPr>
-              <p:custDataLst>
-                <p:tags r:id="rId5"/>
-              </p:custDataLst>
-            </p:nvPr>
-          </p:nvPicPr>
-          <p:blipFill>
-            <a:blip r:embed="rId11" cstate="print">
-              <a:extLst>
-                <a:ext uri="{28A0092B-C50C-407E-A947-70E740481C1C}">
-                  <a14:useLocalDpi xmlns:a14="http://schemas.microsoft.com/office/drawing/2010/main" val="0"/>
-                </a:ext>
-              </a:extLst>
-            </a:blip>
-            <a:stretch>
-              <a:fillRect/>
-            </a:stretch>
-          </p:blipFill>
-          <p:spPr>
-            <a:xfrm>
-              <a:off x="1222706" y="3983190"/>
-              <a:ext cx="1169928" cy="444743"/>
-            </a:xfrm>
-            <a:prstGeom prst="rect">
-              <a:avLst/>
-            </a:prstGeom>
-          </p:spPr>
-        </p:pic>
-      </p:grpSp>
+          </a:blip>
+          <a:stretch>
+            <a:fillRect/>
+          </a:stretch>
+        </p:blipFill>
+        <p:spPr>
+          <a:xfrm>
+            <a:off x="2482579" y="1853131"/>
+            <a:ext cx="490894" cy="390834"/>
+          </a:xfrm>
+          <a:prstGeom prst="rect">
+            <a:avLst/>
+          </a:prstGeom>
+        </p:spPr>
+      </p:pic>
+      <p:pic>
+        <p:nvPicPr>
+          <p:cNvPr id="36" name="Picture 35"/>
+          <p:cNvPicPr>
+            <a:picLocks noChangeAspect="1"/>
+          </p:cNvPicPr>
+          <p:nvPr>
+            <p:custDataLst>
+              <p:tags r:id="rId4"/>
+            </p:custDataLst>
+          </p:nvPr>
+        </p:nvPicPr>
+        <p:blipFill>
+          <a:blip r:embed="rId10" cstate="print">
+            <a:extLst>
+              <a:ext uri="{28A0092B-C50C-407E-A947-70E740481C1C}">
+                <a14:useLocalDpi xmlns:a14="http://schemas.microsoft.com/office/drawing/2010/main" val="0"/>
+              </a:ext>
+            </a:extLst>
+          </a:blip>
+          <a:stretch>
+            <a:fillRect/>
+          </a:stretch>
+        </p:blipFill>
+        <p:spPr>
+          <a:xfrm>
+            <a:off x="3148263" y="2817509"/>
+            <a:ext cx="1131003" cy="466306"/>
+          </a:xfrm>
+          <a:prstGeom prst="rect">
+            <a:avLst/>
+          </a:prstGeom>
+        </p:spPr>
+      </p:pic>
+      <p:pic>
+        <p:nvPicPr>
+          <p:cNvPr id="35" name="Picture 34"/>
+          <p:cNvPicPr>
+            <a:picLocks noChangeAspect="1"/>
+          </p:cNvPicPr>
+          <p:nvPr>
+            <p:custDataLst>
+              <p:tags r:id="rId5"/>
+            </p:custDataLst>
+          </p:nvPr>
+        </p:nvPicPr>
+        <p:blipFill>
+          <a:blip r:embed="rId11" cstate="print">
+            <a:extLst>
+              <a:ext uri="{28A0092B-C50C-407E-A947-70E740481C1C}">
+                <a14:useLocalDpi xmlns:a14="http://schemas.microsoft.com/office/drawing/2010/main" val="0"/>
+              </a:ext>
+            </a:extLst>
+          </a:blip>
+          <a:stretch>
+            <a:fillRect/>
+          </a:stretch>
+        </p:blipFill>
+        <p:spPr>
+          <a:xfrm>
+            <a:off x="1137865" y="3766373"/>
+            <a:ext cx="1169928" cy="444743"/>
+          </a:xfrm>
+          <a:prstGeom prst="rect">
+            <a:avLst/>
+          </a:prstGeom>
+        </p:spPr>
+      </p:pic>
       <p:sp>
         <p:nvSpPr>
           <p:cNvPr id="3" name="TextBox 2">
@@ -6271,7 +6286,7 @@
                             </p:stCondLst>
                             <p:childTnLst>
                               <p:par>
-                                <p:cTn id="5" presetID="1" presetClass="entr" presetSubtype="0" fill="hold" nodeType="clickEffect">
+                                <p:cTn id="5" presetID="1" presetClass="entr" presetSubtype="0" fill="hold" grpId="0" nodeType="clickEffect">
                                   <p:stCondLst>
                                     <p:cond delay="0"/>
                                   </p:stCondLst>
@@ -6279,6 +6294,276 @@
                                     <p:set>
                                       <p:cBhvr>
                                         <p:cTn id="6" dur="1" fill="hold">
+                                          <p:stCondLst>
+                                            <p:cond delay="0"/>
+                                          </p:stCondLst>
+                                        </p:cTn>
+                                        <p:tgtEl>
+                                          <p:spTgt spid="8"/>
+                                        </p:tgtEl>
+                                        <p:attrNameLst>
+                                          <p:attrName>style.visibility</p:attrName>
+                                        </p:attrNameLst>
+                                      </p:cBhvr>
+                                      <p:to>
+                                        <p:strVal val="visible"/>
+                                      </p:to>
+                                    </p:set>
+                                  </p:childTnLst>
+                                </p:cTn>
+                              </p:par>
+                              <p:par>
+                                <p:cTn id="7" presetID="1" presetClass="entr" presetSubtype="0" fill="hold" nodeType="withEffect">
+                                  <p:stCondLst>
+                                    <p:cond delay="0"/>
+                                  </p:stCondLst>
+                                  <p:childTnLst>
+                                    <p:set>
+                                      <p:cBhvr>
+                                        <p:cTn id="8" dur="1" fill="hold">
+                                          <p:stCondLst>
+                                            <p:cond delay="0"/>
+                                          </p:stCondLst>
+                                        </p:cTn>
+                                        <p:tgtEl>
+                                          <p:spTgt spid="14"/>
+                                        </p:tgtEl>
+                                        <p:attrNameLst>
+                                          <p:attrName>style.visibility</p:attrName>
+                                        </p:attrNameLst>
+                                      </p:cBhvr>
+                                      <p:to>
+                                        <p:strVal val="visible"/>
+                                      </p:to>
+                                    </p:set>
+                                  </p:childTnLst>
+                                </p:cTn>
+                              </p:par>
+                              <p:par>
+                                <p:cTn id="9" presetID="1" presetClass="entr" presetSubtype="0" fill="hold" nodeType="withEffect">
+                                  <p:stCondLst>
+                                    <p:cond delay="0"/>
+                                  </p:stCondLst>
+                                  <p:childTnLst>
+                                    <p:set>
+                                      <p:cBhvr>
+                                        <p:cTn id="10" dur="1" fill="hold">
+                                          <p:stCondLst>
+                                            <p:cond delay="0"/>
+                                          </p:stCondLst>
+                                        </p:cTn>
+                                        <p:tgtEl>
+                                          <p:spTgt spid="35"/>
+                                        </p:tgtEl>
+                                        <p:attrNameLst>
+                                          <p:attrName>style.visibility</p:attrName>
+                                        </p:attrNameLst>
+                                      </p:cBhvr>
+                                      <p:to>
+                                        <p:strVal val="visible"/>
+                                      </p:to>
+                                    </p:set>
+                                  </p:childTnLst>
+                                </p:cTn>
+                              </p:par>
+                            </p:childTnLst>
+                          </p:cTn>
+                        </p:par>
+                      </p:childTnLst>
+                    </p:cTn>
+                  </p:par>
+                  <p:par>
+                    <p:cTn id="11" fill="hold">
+                      <p:stCondLst>
+                        <p:cond delay="indefinite"/>
+                      </p:stCondLst>
+                      <p:childTnLst>
+                        <p:par>
+                          <p:cTn id="12" fill="hold">
+                            <p:stCondLst>
+                              <p:cond delay="0"/>
+                            </p:stCondLst>
+                            <p:childTnLst>
+                              <p:par>
+                                <p:cTn id="13" presetID="1" presetClass="entr" presetSubtype="0" fill="hold" grpId="0" nodeType="clickEffect">
+                                  <p:stCondLst>
+                                    <p:cond delay="0"/>
+                                  </p:stCondLst>
+                                  <p:childTnLst>
+                                    <p:set>
+                                      <p:cBhvr>
+                                        <p:cTn id="14" dur="1" fill="hold">
+                                          <p:stCondLst>
+                                            <p:cond delay="0"/>
+                                          </p:stCondLst>
+                                        </p:cTn>
+                                        <p:tgtEl>
+                                          <p:spTgt spid="6"/>
+                                        </p:tgtEl>
+                                        <p:attrNameLst>
+                                          <p:attrName>style.visibility</p:attrName>
+                                        </p:attrNameLst>
+                                      </p:cBhvr>
+                                      <p:to>
+                                        <p:strVal val="visible"/>
+                                      </p:to>
+                                    </p:set>
+                                  </p:childTnLst>
+                                </p:cTn>
+                              </p:par>
+                              <p:par>
+                                <p:cTn id="15" presetID="1" presetClass="entr" presetSubtype="0" fill="hold" nodeType="withEffect">
+                                  <p:stCondLst>
+                                    <p:cond delay="0"/>
+                                  </p:stCondLst>
+                                  <p:childTnLst>
+                                    <p:set>
+                                      <p:cBhvr>
+                                        <p:cTn id="16" dur="1" fill="hold">
+                                          <p:stCondLst>
+                                            <p:cond delay="0"/>
+                                          </p:stCondLst>
+                                        </p:cTn>
+                                        <p:tgtEl>
+                                          <p:spTgt spid="17"/>
+                                        </p:tgtEl>
+                                        <p:attrNameLst>
+                                          <p:attrName>style.visibility</p:attrName>
+                                        </p:attrNameLst>
+                                      </p:cBhvr>
+                                      <p:to>
+                                        <p:strVal val="visible"/>
+                                      </p:to>
+                                    </p:set>
+                                  </p:childTnLst>
+                                </p:cTn>
+                              </p:par>
+                              <p:par>
+                                <p:cTn id="17" presetID="1" presetClass="entr" presetSubtype="0" fill="hold" nodeType="withEffect">
+                                  <p:stCondLst>
+                                    <p:cond delay="0"/>
+                                  </p:stCondLst>
+                                  <p:childTnLst>
+                                    <p:set>
+                                      <p:cBhvr>
+                                        <p:cTn id="18" dur="1" fill="hold">
+                                          <p:stCondLst>
+                                            <p:cond delay="0"/>
+                                          </p:stCondLst>
+                                        </p:cTn>
+                                        <p:tgtEl>
+                                          <p:spTgt spid="36"/>
+                                        </p:tgtEl>
+                                        <p:attrNameLst>
+                                          <p:attrName>style.visibility</p:attrName>
+                                        </p:attrNameLst>
+                                      </p:cBhvr>
+                                      <p:to>
+                                        <p:strVal val="visible"/>
+                                      </p:to>
+                                    </p:set>
+                                  </p:childTnLst>
+                                </p:cTn>
+                              </p:par>
+                            </p:childTnLst>
+                          </p:cTn>
+                        </p:par>
+                      </p:childTnLst>
+                    </p:cTn>
+                  </p:par>
+                  <p:par>
+                    <p:cTn id="19" fill="hold">
+                      <p:stCondLst>
+                        <p:cond delay="indefinite"/>
+                      </p:stCondLst>
+                      <p:childTnLst>
+                        <p:par>
+                          <p:cTn id="20" fill="hold">
+                            <p:stCondLst>
+                              <p:cond delay="0"/>
+                            </p:stCondLst>
+                            <p:childTnLst>
+                              <p:par>
+                                <p:cTn id="21" presetID="1" presetClass="entr" presetSubtype="0" fill="hold" nodeType="clickEffect">
+                                  <p:stCondLst>
+                                    <p:cond delay="0"/>
+                                  </p:stCondLst>
+                                  <p:childTnLst>
+                                    <p:set>
+                                      <p:cBhvr>
+                                        <p:cTn id="22" dur="1" fill="hold">
+                                          <p:stCondLst>
+                                            <p:cond delay="0"/>
+                                          </p:stCondLst>
+                                        </p:cTn>
+                                        <p:tgtEl>
+                                          <p:spTgt spid="20"/>
+                                        </p:tgtEl>
+                                        <p:attrNameLst>
+                                          <p:attrName>style.visibility</p:attrName>
+                                        </p:attrNameLst>
+                                      </p:cBhvr>
+                                      <p:to>
+                                        <p:strVal val="visible"/>
+                                      </p:to>
+                                    </p:set>
+                                  </p:childTnLst>
+                                </p:cTn>
+                              </p:par>
+                              <p:par>
+                                <p:cTn id="23" presetID="1" presetClass="entr" presetSubtype="0" fill="hold" nodeType="withEffect">
+                                  <p:stCondLst>
+                                    <p:cond delay="0"/>
+                                  </p:stCondLst>
+                                  <p:childTnLst>
+                                    <p:set>
+                                      <p:cBhvr>
+                                        <p:cTn id="24" dur="1" fill="hold">
+                                          <p:stCondLst>
+                                            <p:cond delay="0"/>
+                                          </p:stCondLst>
+                                        </p:cTn>
+                                        <p:tgtEl>
+                                          <p:spTgt spid="31"/>
+                                        </p:tgtEl>
+                                        <p:attrNameLst>
+                                          <p:attrName>style.visibility</p:attrName>
+                                        </p:attrNameLst>
+                                      </p:cBhvr>
+                                      <p:to>
+                                        <p:strVal val="visible"/>
+                                      </p:to>
+                                    </p:set>
+                                  </p:childTnLst>
+                                </p:cTn>
+                              </p:par>
+                            </p:childTnLst>
+                          </p:cTn>
+                        </p:par>
+                      </p:childTnLst>
+                    </p:cTn>
+                  </p:par>
+                  <p:par>
+                    <p:cTn id="25" fill="hold">
+                      <p:stCondLst>
+                        <p:cond delay="indefinite"/>
+                      </p:stCondLst>
+                      <p:childTnLst>
+                        <p:par>
+                          <p:cTn id="26" fill="hold">
+                            <p:stCondLst>
+                              <p:cond delay="0"/>
+                            </p:stCondLst>
+                            <p:childTnLst>
+                              <p:par>
+                                <p:cTn id="27" presetID="1" presetClass="entr" presetSubtype="0" fill="hold" nodeType="clickEffect">
+                                  <p:stCondLst>
+                                    <p:cond delay="0"/>
+                                  </p:stCondLst>
+                                  <p:childTnLst>
+                                    <p:set>
+                                      <p:cBhvr>
+                                        <p:cTn id="28" dur="1" fill="hold">
                                           <p:stCondLst>
                                             <p:cond delay="0"/>
                                           </p:stCondLst>
@@ -6304,32 +6589,122 @@
                     </p:cTn>
                   </p:par>
                   <p:par>
-                    <p:cTn id="7" fill="hold">
+                    <p:cTn id="29" fill="hold">
                       <p:stCondLst>
                         <p:cond delay="indefinite"/>
                       </p:stCondLst>
                       <p:childTnLst>
                         <p:par>
-                          <p:cTn id="8" fill="hold">
+                          <p:cTn id="30" fill="hold">
                             <p:stCondLst>
                               <p:cond delay="0"/>
                             </p:stCondLst>
                             <p:childTnLst>
                               <p:par>
-                                <p:cTn id="9" presetID="1" presetClass="entr" presetSubtype="0" fill="hold" nodeType="clickEffect">
+                                <p:cTn id="31" presetID="1" presetClass="entr" presetSubtype="0" fill="hold" nodeType="clickEffect">
                                   <p:stCondLst>
                                     <p:cond delay="0"/>
                                   </p:stCondLst>
                                   <p:childTnLst>
                                     <p:set>
                                       <p:cBhvr>
-                                        <p:cTn id="10" dur="1" fill="hold">
+                                        <p:cTn id="32" dur="1" fill="hold">
                                           <p:stCondLst>
                                             <p:cond delay="0"/>
                                           </p:stCondLst>
                                         </p:cTn>
                                         <p:tgtEl>
                                           <p:spTgt spid="33"/>
+                                        </p:tgtEl>
+                                        <p:attrNameLst>
+                                          <p:attrName>style.visibility</p:attrName>
+                                        </p:attrNameLst>
+                                      </p:cBhvr>
+                                      <p:to>
+                                        <p:strVal val="visible"/>
+                                      </p:to>
+                                    </p:set>
+                                  </p:childTnLst>
+                                </p:cTn>
+                              </p:par>
+                            </p:childTnLst>
+                          </p:cTn>
+                        </p:par>
+                      </p:childTnLst>
+                    </p:cTn>
+                  </p:par>
+                  <p:par>
+                    <p:cTn id="33" fill="hold">
+                      <p:stCondLst>
+                        <p:cond delay="indefinite"/>
+                      </p:stCondLst>
+                      <p:childTnLst>
+                        <p:par>
+                          <p:cTn id="34" fill="hold">
+                            <p:stCondLst>
+                              <p:cond delay="0"/>
+                            </p:stCondLst>
+                            <p:childTnLst>
+                              <p:par>
+                                <p:cTn id="35" presetID="1" presetClass="entr" presetSubtype="0" fill="hold" grpId="0" nodeType="clickEffect">
+                                  <p:stCondLst>
+                                    <p:cond delay="0"/>
+                                  </p:stCondLst>
+                                  <p:childTnLst>
+                                    <p:set>
+                                      <p:cBhvr>
+                                        <p:cTn id="36" dur="1" fill="hold">
+                                          <p:stCondLst>
+                                            <p:cond delay="0"/>
+                                          </p:stCondLst>
+                                        </p:cTn>
+                                        <p:tgtEl>
+                                          <p:spTgt spid="3"/>
+                                        </p:tgtEl>
+                                        <p:attrNameLst>
+                                          <p:attrName>style.visibility</p:attrName>
+                                        </p:attrNameLst>
+                                      </p:cBhvr>
+                                      <p:to>
+                                        <p:strVal val="visible"/>
+                                      </p:to>
+                                    </p:set>
+                                  </p:childTnLst>
+                                </p:cTn>
+                              </p:par>
+                            </p:childTnLst>
+                          </p:cTn>
+                        </p:par>
+                      </p:childTnLst>
+                    </p:cTn>
+                  </p:par>
+                  <p:par>
+                    <p:cTn id="37" fill="hold">
+                      <p:stCondLst>
+                        <p:cond delay="indefinite"/>
+                      </p:stCondLst>
+                      <p:childTnLst>
+                        <p:par>
+                          <p:cTn id="38" fill="hold">
+                            <p:stCondLst>
+                              <p:cond delay="0"/>
+                            </p:stCondLst>
+                            <p:childTnLst>
+                              <p:par>
+                                <p:cTn id="39" presetID="1" presetClass="entr" presetSubtype="0" fill="hold" nodeType="clickEffect">
+                                  <p:stCondLst>
+                                    <p:cond delay="0"/>
+                                  </p:stCondLst>
+                                  <p:childTnLst>
+                                    <p:set>
+                                      <p:cBhvr>
+                                        <p:cTn id="40" dur="1" fill="hold">
+                                          <p:stCondLst>
+                                            <p:cond delay="0"/>
+                                          </p:stCondLst>
+                                        </p:cTn>
+                                        <p:tgtEl>
+                                          <p:spTgt spid="9"/>
                                         </p:tgtEl>
                                         <p:attrNameLst>
                                           <p:attrName>style.visibility</p:attrName>
@@ -6369,6 +6744,11 @@
         </p:cTn>
       </p:par>
     </p:tnLst>
+    <p:bldLst>
+      <p:bldP spid="6" grpId="0" animBg="1"/>
+      <p:bldP spid="8" grpId="0" animBg="1"/>
+      <p:bldP spid="3" grpId="0"/>
+    </p:bldLst>
   </p:timing>
 </p:sld>
 </file>
